--- a/slides/risw-first-year-wg-sep2023.pptx
+++ b/slides/risw-first-year-wg-sep2023.pptx
@@ -3297,7 +3297,7 @@
             <a:pPr lvl="1"/>
             <a:r>
               <a:rPr/>
-              <a:t>Affamed, AstraZeneca, Bayer, Berry Consultants, Boehringer Ingelheim, Cytel, Denali, Edwards Lifesciences, Eli Lilly, EMD Serono, Gilead Sciences, GSK, ICON, Independent, Johnson &amp; Johnson, Merck, Merck KGaA, MSD, Novartis, Novo Nordisk, Pfizer, R&amp;G US, Red Door Analytics, Regeneron, Roche, RPACT, RStudio &amp; R Consortium, Sage Therapeutics</a:t>
+              <a:t>Affamed, AstraZeneca, Bayer, Berry Consultants, Boehringer Ingelheim, Cytel, Denali, Edwards Lifesciences, Eli Lilly, EMD Serono, Gilead Sciences, GSK, ICON, Independent, Johnson &amp; Johnson, Merck, Merck KGaA, MSD, Novartis, Novo Nordisk, Pfizer, Pinpoint Strategies, R&amp;G US, Red Door Analytics, Regeneron, Roche, RPACT, RStudio &amp; R Consortium</a:t>
             </a:r>
           </a:p>
           <a:p>

--- a/slides/risw-first-year-wg-sep2023.pptx
+++ b/slides/risw-first-year-wg-sep2023.pptx
@@ -3276,7 +3276,7 @@
             <a:pPr lvl="0"/>
             <a:r>
               <a:rPr/>
-              <a:t>Currently 38 members</a:t>
+              <a:t>Currently 39 members</a:t>
             </a:r>
           </a:p>
           <a:p>
@@ -3290,14 +3290,14 @@
             <a:pPr lvl="0"/>
             <a:r>
               <a:rPr/>
-              <a:t>Currently 28 organizations</a:t>
+              <a:t>Currently 29 organizations</a:t>
             </a:r>
           </a:p>
           <a:p>
             <a:pPr lvl="1"/>
             <a:r>
               <a:rPr/>
-              <a:t>Affamed, AstraZeneca, Bayer, Berry Consultants, Boehringer Ingelheim, Cytel, Denali, Edwards Lifesciences, Eli Lilly, EMD Serono, Gilead Sciences, GSK, ICON, Independent, Johnson &amp; Johnson, Merck, Merck KGaA, MSD, Novartis, Novo Nordisk, Pfizer, Pinpoint Strategies, R&amp;G US, Red Door Analytics, Regeneron, Roche, RPACT, RStudio &amp; R Consortium</a:t>
+              <a:t>Affamed, AstraZeneca, Bayer, Berry Consultants, Boehringer Ingelheim, Cytel, Denali, Edwards Lifesciences, Eli Lilly, EMD Serono, Gilead Sciences, GSK, ICON, Independent, Johnson &amp; Johnson, mainanalytics, Merck, Merck KGaA, MSD, Novartis, Novo Nordisk, Pfizer, Pinpoint Strategies, R&amp;G US, Red Door Analytics, Regeneron, Roche, RPACT, RStudio &amp; R Consortium</a:t>
             </a:r>
           </a:p>
           <a:p>

--- a/slides/risw-first-year-wg-sep2023.pptx
+++ b/slides/risw-first-year-wg-sep2023.pptx
@@ -3276,7 +3276,7 @@
             <a:pPr lvl="0"/>
             <a:r>
               <a:rPr/>
-              <a:t>Currently 39 members</a:t>
+              <a:t>Currently 41 members</a:t>
             </a:r>
           </a:p>
           <a:p>
@@ -3290,14 +3290,14 @@
             <a:pPr lvl="0"/>
             <a:r>
               <a:rPr/>
-              <a:t>Currently 29 organizations</a:t>
+              <a:t>Currently 30 organizations</a:t>
             </a:r>
           </a:p>
           <a:p>
             <a:pPr lvl="1"/>
             <a:r>
               <a:rPr/>
-              <a:t>Affamed, AstraZeneca, Bayer, Berry Consultants, Boehringer Ingelheim, Cytel, Denali, Edwards Lifesciences, Eli Lilly, EMD Serono, Gilead Sciences, GSK, ICON, Independent, Johnson &amp; Johnson, mainanalytics, Merck, Merck KGaA, MSD, Novartis, Novo Nordisk, Pfizer, Pinpoint Strategies, R&amp;G US, Red Door Analytics, Regeneron, Roche, RPACT, RStudio &amp; R Consortium</a:t>
+              <a:t>Affamed, AstraZeneca, Bayer, Berry Consultants, Boehringer Ingelheim, Cytel, Denali, Edwards Lifesciences, Eli Lilly, EMD Serono, Gilead Sciences, GSK, ICON, Independent, Johnson &amp; Johnson, mainanalytics, Merck, Merck KGaA, MSD, Novartis, Novo Nordisk, Pfizer, Pinpoint Strategies, R&amp;G US, Red Door Analytics, Regeneron, Roche, RPACT, RStudio &amp; R Consortium, Sanofi</a:t>
             </a:r>
           </a:p>
           <a:p>

--- a/slides/risw-first-year-wg-sep2023.pptx
+++ b/slides/risw-first-year-wg-sep2023.pptx
@@ -3276,7 +3276,7 @@
             <a:pPr lvl="0"/>
             <a:r>
               <a:rPr/>
-              <a:t>Currently 41 members</a:t>
+              <a:t>Currently 40 members</a:t>
             </a:r>
           </a:p>
           <a:p>

--- a/slides/risw-first-year-wg-sep2023.pptx
+++ b/slides/risw-first-year-wg-sep2023.pptx
@@ -3276,7 +3276,7 @@
             <a:pPr lvl="0"/>
             <a:r>
               <a:rPr/>
-              <a:t>Currently 40 members</a:t>
+              <a:t>Currently 42 members</a:t>
             </a:r>
           </a:p>
           <a:p>

--- a/slides/risw-first-year-wg-sep2023.pptx
+++ b/slides/risw-first-year-wg-sep2023.pptx
@@ -3276,7 +3276,7 @@
             <a:pPr lvl="0"/>
             <a:r>
               <a:rPr/>
-              <a:t>Currently 42 members</a:t>
+              <a:t>Currently 43 members</a:t>
             </a:r>
           </a:p>
           <a:p>

--- a/slides/risw-first-year-wg-sep2023.pptx
+++ b/slides/risw-first-year-wg-sep2023.pptx
@@ -3276,7 +3276,7 @@
             <a:pPr lvl="0"/>
             <a:r>
               <a:rPr/>
-              <a:t>Currently 43 members</a:t>
+              <a:t>Currently 45 members</a:t>
             </a:r>
           </a:p>
           <a:p>
@@ -3290,14 +3290,14 @@
             <a:pPr lvl="0"/>
             <a:r>
               <a:rPr/>
-              <a:t>Currently 30 organizations</a:t>
+              <a:t>Currently 32 organizations</a:t>
             </a:r>
           </a:p>
           <a:p>
             <a:pPr lvl="1"/>
             <a:r>
               <a:rPr/>
-              <a:t>Affamed, AstraZeneca, Bayer, Berry Consultants, Boehringer Ingelheim, Cytel, Denali, Edwards Lifesciences, Eli Lilly, EMD Serono, Gilead Sciences, GSK, ICON, Independent, Johnson &amp; Johnson, mainanalytics, Merck, Merck KGaA, MSD, Novartis, Novo Nordisk, Pfizer, Pinpoint Strategies, R&amp;G US, Red Door Analytics, Regeneron, Roche, RPACT, RStudio &amp; R Consortium, Sanofi</a:t>
+              <a:t>Affamed, AstraZeneca, Bayer, Berry Consultants, Boehringer Ingelheim, CIMS Global, Cytel, Denali, Edwards Lifesciences, Eli Lilly, EMD Serono, Erste Group, Gilead Sciences, GSK, ICON, Independent, Johnson &amp; Johnson, mainanalytics, Merck, Merck KGaA, MSD, Novartis, Novo Nordisk, Pfizer, Pinpoint Strategies, R&amp;G US, Red Door Analytics, Regeneron, Roche, RPACT, RStudio &amp; R Consortium, Sanofi</a:t>
             </a:r>
           </a:p>
           <a:p>

--- a/slides/risw-first-year-wg-sep2023.pptx
+++ b/slides/risw-first-year-wg-sep2023.pptx
@@ -3276,7 +3276,7 @@
             <a:pPr lvl="0"/>
             <a:r>
               <a:rPr/>
-              <a:t>Currently 45 members</a:t>
+              <a:t>Currently 46 members</a:t>
             </a:r>
           </a:p>
           <a:p>

--- a/slides/risw-first-year-wg-sep2023.pptx
+++ b/slides/risw-first-year-wg-sep2023.pptx
@@ -3276,7 +3276,7 @@
             <a:pPr lvl="0"/>
             <a:r>
               <a:rPr/>
-              <a:t>Currently 46 members</a:t>
+              <a:t>Currently 49 members</a:t>
             </a:r>
           </a:p>
           <a:p>
@@ -3290,14 +3290,14 @@
             <a:pPr lvl="0"/>
             <a:r>
               <a:rPr/>
-              <a:t>Currently 32 organizations</a:t>
+              <a:t>Currently 33 organizations</a:t>
             </a:r>
           </a:p>
           <a:p>
             <a:pPr lvl="1"/>
             <a:r>
               <a:rPr/>
-              <a:t>Affamed, AstraZeneca, Bayer, Berry Consultants, Boehringer Ingelheim, CIMS Global, Cytel, Denali, Edwards Lifesciences, Eli Lilly, EMD Serono, Erste Group, Gilead Sciences, GSK, ICON, Independent, Johnson &amp; Johnson, mainanalytics, Merck, Merck KGaA, MSD, Novartis, Novo Nordisk, Pfizer, Pinpoint Strategies, R&amp;G US, Red Door Analytics, Regeneron, Roche, RPACT, RStudio &amp; R Consortium, Sanofi</a:t>
+              <a:t>Affamed, AstraZeneca, Bayer, Berry Consultants, Boehringer Ingelheim, CIMS Global, Cytel, Denali, Edwards Lifesciences, Eli Lilly, EMD Serono, Erste Group, Gilead Sciences, GSK, ICON, Independent, Johnson &amp; Johnson, mainanalytics, Merck, Merck KGaA, MSD, Novartis, Novo Nordisk, Pfizer, Pinpoint Strategies, R&amp;G US, Red Door Analytics, Regeneron, Roche, RPACT, RStudio &amp; R Consortium, Sanofi, UCB</a:t>
             </a:r>
           </a:p>
           <a:p>

--- a/slides/risw-first-year-wg-sep2023.pptx
+++ b/slides/risw-first-year-wg-sep2023.pptx
@@ -3276,7 +3276,7 @@
             <a:pPr lvl="0"/>
             <a:r>
               <a:rPr/>
-              <a:t>Currently 49 members</a:t>
+              <a:t>Currently 50 members</a:t>
             </a:r>
           </a:p>
           <a:p>

--- a/slides/risw-first-year-wg-sep2023.pptx
+++ b/slides/risw-first-year-wg-sep2023.pptx
@@ -3276,7 +3276,7 @@
             <a:pPr lvl="0"/>
             <a:r>
               <a:rPr/>
-              <a:t>Currently 50 members</a:t>
+              <a:t>Currently 51 members</a:t>
             </a:r>
           </a:p>
           <a:p>

--- a/slides/risw-first-year-wg-sep2023.pptx
+++ b/slides/risw-first-year-wg-sep2023.pptx
@@ -3276,7 +3276,7 @@
             <a:pPr lvl="0"/>
             <a:r>
               <a:rPr/>
-              <a:t>Currently 51 members</a:t>
+              <a:t>Currently 52 members</a:t>
             </a:r>
           </a:p>
           <a:p>
@@ -3290,14 +3290,14 @@
             <a:pPr lvl="0"/>
             <a:r>
               <a:rPr/>
-              <a:t>Currently 33 organizations</a:t>
+              <a:t>Currently 34 organizations</a:t>
             </a:r>
           </a:p>
           <a:p>
             <a:pPr lvl="1"/>
             <a:r>
               <a:rPr/>
-              <a:t>Affamed, AstraZeneca, Bayer, Berry Consultants, Boehringer Ingelheim, CIMS Global, Cytel, Denali, Edwards Lifesciences, Eli Lilly, EMD Serono, Erste Group, Gilead Sciences, GSK, ICON, Independent, Johnson &amp; Johnson, mainanalytics, Merck, Merck KGaA, MSD, Novartis, Novo Nordisk, Pfizer, Pinpoint Strategies, R&amp;G US, Red Door Analytics, Regeneron, Roche, RPACT, RStudio &amp; R Consortium, Sanofi, UCB</a:t>
+              <a:t>Affamed, AstraZeneca, Bayer, Berry Consultants, Boehringer Ingelheim, CIMS Global, Cytel, Denali, Edwards Lifesciences, Eli Lilly, EMD Serono, Erste Group, Gilead Sciences, GSK, ICON, Independent, Johnson &amp; Johnson, mainanalytics, MaxisIT, Merck, Merck KGaA, MSD, Novartis, Novo Nordisk, Pfizer, Pinpoint Strategies, R&amp;G US, Red Door Analytics, Regeneron, Roche, RPACT, RStudio &amp; R Consortium, Sanofi, UCB</a:t>
             </a:r>
           </a:p>
           <a:p>

--- a/slides/risw-first-year-wg-sep2023.pptx
+++ b/slides/risw-first-year-wg-sep2023.pptx
@@ -3276,7 +3276,7 @@
             <a:pPr lvl="0"/>
             <a:r>
               <a:rPr/>
-              <a:t>Currently 52 members</a:t>
+              <a:t>Currently 53 members</a:t>
             </a:r>
           </a:p>
           <a:p>
@@ -3290,14 +3290,14 @@
             <a:pPr lvl="0"/>
             <a:r>
               <a:rPr/>
-              <a:t>Currently 34 organizations</a:t>
+              <a:t>Currently 35 organizations</a:t>
             </a:r>
           </a:p>
           <a:p>
             <a:pPr lvl="1"/>
             <a:r>
               <a:rPr/>
-              <a:t>Affamed, AstraZeneca, Bayer, Berry Consultants, Boehringer Ingelheim, CIMS Global, Cytel, Denali, Edwards Lifesciences, Eli Lilly, EMD Serono, Erste Group, Gilead Sciences, GSK, ICON, Independent, Johnson &amp; Johnson, mainanalytics, MaxisIT, Merck, Merck KGaA, MSD, Novartis, Novo Nordisk, Pfizer, Pinpoint Strategies, R&amp;G US, Red Door Analytics, Regeneron, Roche, RPACT, RStudio &amp; R Consortium, Sanofi, UCB</a:t>
+              <a:t>Affamed, AstraZeneca, Bayer, Berry Consultants, Boehringer Ingelheim, CIMS Global, Cytel, Denali, Edwards Lifesciences, Eli Lilly, EMD Serono, Erste Group, Gilead Sciences, GSK, ICON, Independent, Johnson &amp; Johnson, mainanalytics, MaxisIT, Merck, Merck KGaA, MSD, Novartis, Novo Nordisk, Pfizer, Pinpoint Strategies, R&amp;G US, Red Door Analytics, Regeneron, Roche, RPACT, RStudio &amp; R Consortium, Sanofi, Transition Technologies Science, UCB</a:t>
             </a:r>
           </a:p>
           <a:p>

--- a/slides/risw-first-year-wg-sep2023.pptx
+++ b/slides/risw-first-year-wg-sep2023.pptx
@@ -3276,7 +3276,7 @@
             <a:pPr lvl="0"/>
             <a:r>
               <a:rPr/>
-              <a:t>Currently 53 members</a:t>
+              <a:t>Currently 55 members</a:t>
             </a:r>
           </a:p>
           <a:p>
@@ -3290,14 +3290,14 @@
             <a:pPr lvl="0"/>
             <a:r>
               <a:rPr/>
-              <a:t>Currently 35 organizations</a:t>
+              <a:t>Currently 36 organizations</a:t>
             </a:r>
           </a:p>
           <a:p>
             <a:pPr lvl="1"/>
             <a:r>
               <a:rPr/>
-              <a:t>Affamed, AstraZeneca, Bayer, Berry Consultants, Boehringer Ingelheim, CIMS Global, Cytel, Denali, Edwards Lifesciences, Eli Lilly, EMD Serono, Erste Group, Gilead Sciences, GSK, ICON, Independent, Johnson &amp; Johnson, mainanalytics, MaxisIT, Merck, Merck KGaA, MSD, Novartis, Novo Nordisk, Pfizer, Pinpoint Strategies, R&amp;G US, Red Door Analytics, Regeneron, Roche, RPACT, RStudio &amp; R Consortium, Sanofi, Transition Technologies Science, UCB</a:t>
+              <a:t>Affamed, AstraZeneca, Bayer, Berry Consultants, Boehringer Ingelheim, CIMS Global, Cytel, Daiichi Sankyo, Denali, Edwards Lifesciences, Eli Lilly, EMD Serono, Erste Group, Gilead Sciences, GSK, ICON, Independent, Johnson &amp; Johnson, mainanalytics, MaxisIT, Merck, Merck KGaA, MSD, Novartis, Novo Nordisk, Pfizer, Pinpoint Strategies, R&amp;G US, Red Door Analytics, Regeneron, Roche, RPACT, RStudio &amp; R Consortium, Sanofi, Transition Technologies Science, UCB</a:t>
             </a:r>
           </a:p>
           <a:p>

--- a/slides/risw-first-year-wg-sep2023.pptx
+++ b/slides/risw-first-year-wg-sep2023.pptx
@@ -3290,14 +3290,14 @@
             <a:pPr lvl="0"/>
             <a:r>
               <a:rPr/>
-              <a:t>Currently 36 organizations</a:t>
+              <a:t>Currently 35 organizations</a:t>
             </a:r>
           </a:p>
           <a:p>
             <a:pPr lvl="1"/>
             <a:r>
               <a:rPr/>
-              <a:t>Affamed, AstraZeneca, Bayer, Berry Consultants, Boehringer Ingelheim, CIMS Global, Cytel, Daiichi Sankyo, Denali, Edwards Lifesciences, Eli Lilly, EMD Serono, Erste Group, Gilead Sciences, GSK, ICON, Independent, Johnson &amp; Johnson, mainanalytics, MaxisIT, Merck, Merck KGaA, MSD, Novartis, Novo Nordisk, Pfizer, Pinpoint Strategies, R&amp;G US, Red Door Analytics, Regeneron, Roche, RPACT, RStudio &amp; R Consortium, Sanofi, Transition Technologies Science, UCB</a:t>
+              <a:t>Affamed, AstraZeneca, Bayer, Berry Consultants, Boehringer Ingelheim, CIMS Global, Cytel, Daiichi Sankyo, Denali, Edwards Lifesciences, Eli Lilly, EMD Serono, Erste Group, Gilead Sciences, GSK, ICON, Independent, Johnson &amp; Johnson, mainanalytics, MaxisIT, Merck, Merck KGaA, MSD, Novartis, Novo Nordisk, Pfizer, R&amp;G US, Red Door Analytics, Regeneron, Roche, RPACT, RStudio &amp; R Consortium, Sanofi, Transition Technologies Science, UCB</a:t>
             </a:r>
           </a:p>
           <a:p>

--- a/slides/risw-first-year-wg-sep2023.pptx
+++ b/slides/risw-first-year-wg-sep2023.pptx
@@ -3276,7 +3276,7 @@
             <a:pPr lvl="0"/>
             <a:r>
               <a:rPr/>
-              <a:t>Currently 55 members</a:t>
+              <a:t>Currently 56 members</a:t>
             </a:r>
           </a:p>
           <a:p>
@@ -3297,7 +3297,7 @@
             <a:pPr lvl="1"/>
             <a:r>
               <a:rPr/>
-              <a:t>Affamed, AstraZeneca, Bayer, Berry Consultants, Boehringer Ingelheim, CIMS Global, Cytel, Daiichi Sankyo, Denali, Edwards Lifesciences, Eli Lilly, EMD Serono, Erste Group, Gilead Sciences, GSK, ICON, Independent, Johnson &amp; Johnson, mainanalytics, MaxisIT, Merck, Merck KGaA, MSD, Novartis, Novo Nordisk, Pfizer, R&amp;G US, Red Door Analytics, Regeneron, Roche, RPACT, RStudio &amp; R Consortium, Sanofi, Transition Technologies Science, UCB</a:t>
+              <a:t>Affamed, AstraZeneca, Bayer, Berry Consultants, Boehringer Ingelheim, CIMS Global, Cytel, Daiichi Sankyo, Denali, EMD Serono, Edwards Lifesciences, Eli Lilly, Erste Group, GSK, Gilead Sciences, ICON, Independent, Johnson &amp; Johnson, MSD, MaxisIT, Merck, Merck KGaA, Novartis, Novo Nordisk, Pfizer, R&amp;G US, RPACT, RStudio &amp; R Consortium, Red Door Analytics, Regeneron, Roche, Sanofi, Transition Technologies Science, UCB, mainanalytics</a:t>
             </a:r>
           </a:p>
           <a:p>

--- a/slides/risw-first-year-wg-sep2023.pptx
+++ b/slides/risw-first-year-wg-sep2023.pptx
@@ -3297,7 +3297,7 @@
             <a:pPr lvl="1"/>
             <a:r>
               <a:rPr/>
-              <a:t>Affamed, AstraZeneca, Bayer, Berry Consultants, Boehringer Ingelheim, CIMS Global, Cytel, Daiichi Sankyo, Denali, EMD Serono, Edwards Lifesciences, Eli Lilly, Erste Group, GSK, Gilead Sciences, ICON, Independent, Johnson &amp; Johnson, MSD, MaxisIT, Merck, Merck KGaA, Novartis, Novo Nordisk, Pfizer, R&amp;G US, RPACT, RStudio &amp; R Consortium, Red Door Analytics, Regeneron, Roche, Sanofi, Transition Technologies Science, UCB, mainanalytics</a:t>
+              <a:t>Affamed, AstraZeneca, Bayer, Berry Consultants, Boehringer Ingelheim, CIMS Global, Cytel, Daiichi Sankyo, Denali, Edwards Lifesciences, Eli Lilly, EMD Serono, Erste Group, Gilead Sciences, GSK, ICON, Independent, Johnson &amp; Johnson, mainanalytics, MaxisIT, Merck, Merck KGaA, MSD, Novartis, Novo Nordisk, Pfizer, R&amp;G US, Red Door Analytics, Regeneron, Roche, RPACT, RStudio &amp; R Consortium, Sanofi, Transition Technologies Science, UCB</a:t>
             </a:r>
           </a:p>
           <a:p>

--- a/slides/risw-first-year-wg-sep2023.pptx
+++ b/slides/risw-first-year-wg-sep2023.pptx
@@ -3276,7 +3276,7 @@
             <a:pPr lvl="0"/>
             <a:r>
               <a:rPr/>
-              <a:t>Currently 56 members</a:t>
+              <a:t>Currently 58 members</a:t>
             </a:r>
           </a:p>
           <a:p>
@@ -3290,14 +3290,14 @@
             <a:pPr lvl="0"/>
             <a:r>
               <a:rPr/>
-              <a:t>Currently 35 organizations</a:t>
+              <a:t>Currently 37 organizations</a:t>
             </a:r>
           </a:p>
           <a:p>
             <a:pPr lvl="1"/>
             <a:r>
               <a:rPr/>
-              <a:t>Affamed, AstraZeneca, Bayer, Berry Consultants, Boehringer Ingelheim, CIMS Global, Cytel, Daiichi Sankyo, Denali, Edwards Lifesciences, Eli Lilly, EMD Serono, Erste Group, Gilead Sciences, GSK, ICON, Independent, Johnson &amp; Johnson, mainanalytics, MaxisIT, Merck, Merck KGaA, MSD, Novartis, Novo Nordisk, Pfizer, R&amp;G US, Red Door Analytics, Regeneron, Roche, RPACT, RStudio &amp; R Consortium, Sanofi, Transition Technologies Science, UCB</a:t>
+              <a:t>Affamed, AstraZeneca, Bayer, Berry Consultants, BMS, Boehringer Ingelheim, CIMS Global, Cytel, Daiichi Sankyo, Denali, Edwards Lifesciences, Eli Lilly, EMD Serono, Erste Group, Gilead Sciences, GSK, ICON, Independent, Johnson &amp; Johnson, mainanalytics, MaxisIT, Merck, Merck KGaA, MSD, Novartis, Novo Nordisk, Pfizer, R&amp;G US, RCONIS, Red Door Analytics, Regeneron, Roche, RPACT, RStudio &amp; R Consortium, Sanofi, Transition Technologies Science, UCB</a:t>
             </a:r>
           </a:p>
           <a:p>

--- a/slides/risw-first-year-wg-sep2023.pptx
+++ b/slides/risw-first-year-wg-sep2023.pptx
@@ -3276,7 +3276,7 @@
             <a:pPr lvl="0"/>
             <a:r>
               <a:rPr/>
-              <a:t>Currently 58 members</a:t>
+              <a:t>Currently 60 members</a:t>
             </a:r>
           </a:p>
           <a:p>
@@ -3290,14 +3290,14 @@
             <a:pPr lvl="0"/>
             <a:r>
               <a:rPr/>
-              <a:t>Currently 37 organizations</a:t>
+              <a:t>Currently 38 organizations</a:t>
             </a:r>
           </a:p>
           <a:p>
             <a:pPr lvl="1"/>
             <a:r>
               <a:rPr/>
-              <a:t>Affamed, AstraZeneca, Bayer, Berry Consultants, BMS, Boehringer Ingelheim, CIMS Global, Cytel, Daiichi Sankyo, Denali, Edwards Lifesciences, Eli Lilly, EMD Serono, Erste Group, Gilead Sciences, GSK, ICON, Independent, Johnson &amp; Johnson, mainanalytics, MaxisIT, Merck, Merck KGaA, MSD, Novartis, Novo Nordisk, Pfizer, R&amp;G US, RCONIS, Red Door Analytics, Regeneron, Roche, RPACT, RStudio &amp; R Consortium, Sanofi, Transition Technologies Science, UCB</a:t>
+              <a:t>Affamed, AstraZeneca, Bayer, Berry Consultants, BMS, Boehringer Ingelheim, CIMS Global, Cytel, Daiichi Sankyo, Denali, Edwards Lifesciences, Eli Lilly, EMD Serono, Erste Group, Genentech, Gilead Sciences, GSK, ICON, Independent, Johnson &amp; Johnson, mainanalytics, MaxisIT, Merck, Merck KGaA, MSD, Novartis, Novo Nordisk, Pfizer, R&amp;G US, RCONIS, Red Door Analytics, Regeneron, Roche, RPACT, RStudio &amp; R Consortium, Sanofi, Transition Technologies Science, UCB</a:t>
             </a:r>
           </a:p>
           <a:p>

--- a/slides/risw-first-year-wg-sep2023.pptx
+++ b/slides/risw-first-year-wg-sep2023.pptx
@@ -3276,7 +3276,7 @@
             <a:pPr lvl="0"/>
             <a:r>
               <a:rPr/>
-              <a:t>Currently 60 members</a:t>
+              <a:t>Currently 59 members</a:t>
             </a:r>
           </a:p>
           <a:p>

--- a/slides/risw-first-year-wg-sep2023.pptx
+++ b/slides/risw-first-year-wg-sep2023.pptx
@@ -3276,7 +3276,7 @@
             <a:pPr lvl="0"/>
             <a:r>
               <a:rPr/>
-              <a:t>Currently 59 members</a:t>
+              <a:t>Currently 63 members</a:t>
             </a:r>
           </a:p>
           <a:p>
@@ -3290,14 +3290,14 @@
             <a:pPr lvl="0"/>
             <a:r>
               <a:rPr/>
-              <a:t>Currently 38 organizations</a:t>
+              <a:t>Currently 41 organizations</a:t>
             </a:r>
           </a:p>
           <a:p>
             <a:pPr lvl="1"/>
             <a:r>
               <a:rPr/>
-              <a:t>Affamed, AstraZeneca, Bayer, Berry Consultants, BMS, Boehringer Ingelheim, CIMS Global, Cytel, Daiichi Sankyo, Denali, Edwards Lifesciences, Eli Lilly, EMD Serono, Erste Group, Genentech, Gilead Sciences, GSK, ICON, Independent, Johnson &amp; Johnson, mainanalytics, MaxisIT, Merck, Merck KGaA, MSD, Novartis, Novo Nordisk, Pfizer, R&amp;G US, RCONIS, Red Door Analytics, Regeneron, Roche, RPACT, RStudio &amp; R Consortium, Sanofi, Transition Technologies Science, UCB</a:t>
+              <a:t>Affamed, argenx, AstraZeneca, BASF, Bayer, Berry Consultants, BMS, Boehringer Ingelheim, CIMS Global, Cytel, Daiichi Sankyo, Denali, Edwards Lifesciences, Eli Lilly, EMD Serono, Erste Group, Genentech, Gilead Sciences, GSK, ICON, Independent, Johnson &amp; Johnson, Jumping Rivers, mainanalytics, MaxisIT, Merck, Merck KGaA, MSD, Novartis, Novo Nordisk, Pfizer, R&amp;G US, RCONIS, Red Door Analytics, Regeneron, Roche, RPACT, RStudio &amp; R Consortium, Sanofi, Transition Technologies Science, UCB</a:t>
             </a:r>
           </a:p>
           <a:p>

--- a/slides/risw-first-year-wg-sep2023.pptx
+++ b/slides/risw-first-year-wg-sep2023.pptx
@@ -3276,7 +3276,7 @@
             <a:pPr lvl="0"/>
             <a:r>
               <a:rPr/>
-              <a:t>Currently 63 members</a:t>
+              <a:t>Currently 64 members</a:t>
             </a:r>
           </a:p>
           <a:p>
